--- a/Daily Agendas/Day13.1_PythonFileAccess.pptx
+++ b/Daily Agendas/Day13.1_PythonFileAccess.pptx
@@ -303,7 +303,7 @@
             <a:fld id="{1D8BD707-D9CF-40AE-B4C6-C98DA3205C09}" type="datetimeFigureOut">
               <a:rPr lang="en-US" smtClean="0"/>
               <a:pPr/>
-              <a:t>11/26/2018</a:t>
+              <a:t>11/29/2018</a:t>
             </a:fld>
             <a:endParaRPr lang="en-US"/>
           </a:p>
@@ -468,7 +468,7 @@
             <a:fld id="{1D8BD707-D9CF-40AE-B4C6-C98DA3205C09}" type="datetimeFigureOut">
               <a:rPr lang="en-US" smtClean="0"/>
               <a:pPr/>
-              <a:t>11/26/2018</a:t>
+              <a:t>11/29/2018</a:t>
             </a:fld>
             <a:endParaRPr lang="en-US"/>
           </a:p>
@@ -643,7 +643,7 @@
             <a:fld id="{1D8BD707-D9CF-40AE-B4C6-C98DA3205C09}" type="datetimeFigureOut">
               <a:rPr lang="en-US" smtClean="0"/>
               <a:pPr/>
-              <a:t>11/26/2018</a:t>
+              <a:t>11/29/2018</a:t>
             </a:fld>
             <a:endParaRPr lang="en-US"/>
           </a:p>
@@ -808,7 +808,7 @@
             <a:fld id="{1D8BD707-D9CF-40AE-B4C6-C98DA3205C09}" type="datetimeFigureOut">
               <a:rPr lang="en-US" smtClean="0"/>
               <a:pPr/>
-              <a:t>11/26/2018</a:t>
+              <a:t>11/29/2018</a:t>
             </a:fld>
             <a:endParaRPr lang="en-US"/>
           </a:p>
@@ -1050,7 +1050,7 @@
             <a:fld id="{1D8BD707-D9CF-40AE-B4C6-C98DA3205C09}" type="datetimeFigureOut">
               <a:rPr lang="en-US" smtClean="0"/>
               <a:pPr/>
-              <a:t>11/26/2018</a:t>
+              <a:t>11/29/2018</a:t>
             </a:fld>
             <a:endParaRPr lang="en-US"/>
           </a:p>
@@ -1332,7 +1332,7 @@
             <a:fld id="{1D8BD707-D9CF-40AE-B4C6-C98DA3205C09}" type="datetimeFigureOut">
               <a:rPr lang="en-US" smtClean="0"/>
               <a:pPr/>
-              <a:t>11/26/2018</a:t>
+              <a:t>11/29/2018</a:t>
             </a:fld>
             <a:endParaRPr lang="en-US"/>
           </a:p>
@@ -1748,7 +1748,7 @@
             <a:fld id="{1D8BD707-D9CF-40AE-B4C6-C98DA3205C09}" type="datetimeFigureOut">
               <a:rPr lang="en-US" smtClean="0"/>
               <a:pPr/>
-              <a:t>11/26/2018</a:t>
+              <a:t>11/29/2018</a:t>
             </a:fld>
             <a:endParaRPr lang="en-US"/>
           </a:p>
@@ -1862,7 +1862,7 @@
             <a:fld id="{1D8BD707-D9CF-40AE-B4C6-C98DA3205C09}" type="datetimeFigureOut">
               <a:rPr lang="en-US" smtClean="0"/>
               <a:pPr/>
-              <a:t>11/26/2018</a:t>
+              <a:t>11/29/2018</a:t>
             </a:fld>
             <a:endParaRPr lang="en-US"/>
           </a:p>
@@ -1954,7 +1954,7 @@
             <a:fld id="{1D8BD707-D9CF-40AE-B4C6-C98DA3205C09}" type="datetimeFigureOut">
               <a:rPr lang="en-US" smtClean="0"/>
               <a:pPr/>
-              <a:t>11/26/2018</a:t>
+              <a:t>11/29/2018</a:t>
             </a:fld>
             <a:endParaRPr lang="en-US"/>
           </a:p>
@@ -2226,7 +2226,7 @@
             <a:fld id="{1D8BD707-D9CF-40AE-B4C6-C98DA3205C09}" type="datetimeFigureOut">
               <a:rPr lang="en-US" smtClean="0"/>
               <a:pPr/>
-              <a:t>11/26/2018</a:t>
+              <a:t>11/29/2018</a:t>
             </a:fld>
             <a:endParaRPr lang="en-US"/>
           </a:p>
@@ -2475,7 +2475,7 @@
             <a:fld id="{1D8BD707-D9CF-40AE-B4C6-C98DA3205C09}" type="datetimeFigureOut">
               <a:rPr lang="en-US" smtClean="0"/>
               <a:pPr/>
-              <a:t>11/26/2018</a:t>
+              <a:t>11/29/2018</a:t>
             </a:fld>
             <a:endParaRPr lang="en-US"/>
           </a:p>
@@ -2683,7 +2683,7 @@
             <a:fld id="{1D8BD707-D9CF-40AE-B4C6-C98DA3205C09}" type="datetimeFigureOut">
               <a:rPr lang="en-US" smtClean="0"/>
               <a:pPr/>
-              <a:t>11/26/2018</a:t>
+              <a:t>11/29/2018</a:t>
             </a:fld>
             <a:endParaRPr lang="en-US"/>
           </a:p>
@@ -3073,11 +3073,7 @@
           <a:p>
             <a:r>
               <a:rPr lang="en-US" dirty="0" smtClean="0"/>
-              <a:t>Python File Access </a:t>
-            </a:r>
-            <a:r>
-              <a:rPr lang="en-US" dirty="0" smtClean="0"/>
-              <a:t>– </a:t>
+              <a:t>Python File Access – </a:t>
             </a:r>
             <a:r>
               <a:rPr lang="en-US" dirty="0"/>
@@ -3117,12 +3113,16 @@
           <a:p>
             <a:pPr lvl="1"/>
             <a:r>
+              <a:rPr lang="en-CA" smtClean="0"/>
+              <a:t>Mod </a:t>
+            </a:r>
+            <a:r>
+              <a:rPr lang="en-CA" smtClean="0"/>
+              <a:t>B.5 </a:t>
+            </a:r>
+            <a:r>
               <a:rPr lang="en-CA" dirty="0" smtClean="0"/>
-              <a:t>Mod </a:t>
-            </a:r>
-            <a:r>
-              <a:rPr lang="en-CA" dirty="0" smtClean="0"/>
-              <a:t>A.5 Python File Access</a:t>
+              <a:t>Python File Access</a:t>
             </a:r>
           </a:p>
           <a:p>
@@ -3188,19 +3188,7 @@
             <a:pPr lvl="1"/>
             <a:r>
               <a:rPr lang="en-CA" dirty="0" smtClean="0"/>
-              <a:t>Tomorrow: </a:t>
-            </a:r>
-            <a:r>
-              <a:rPr lang="en-CA" dirty="0" smtClean="0"/>
-              <a:t>Mod </a:t>
-            </a:r>
-            <a:r>
-              <a:rPr lang="en-CA" smtClean="0"/>
-              <a:t>B.5 </a:t>
-            </a:r>
-            <a:r>
-              <a:rPr lang="en-CA" smtClean="0"/>
-              <a:t>– Level 3</a:t>
+              <a:t>Tomorrow: Mod B.5 – Level 3</a:t>
             </a:r>
             <a:endParaRPr lang="en-US" dirty="0"/>
           </a:p>
